--- a/DAEU_HTML/Cours_7/Cours programmation WEB7.pptx
+++ b/DAEU_HTML/Cours_7/Cours programmation WEB7.pptx
@@ -1,17 +1,17 @@
 
 <file path=ppt/presentation.xml><?xml version="1.0" encoding="utf-8"?>
-<p:presentation xmlns:a="http://schemas.openxmlformats.org/drawingml/2006/main" xmlns:r="http://schemas.openxmlformats.org/officeDocument/2006/relationships" xmlns:p="http://schemas.openxmlformats.org/presentationml/2006/main" saveSubsetFonts="1">
+<p:presentation xmlns:a="http://schemas.openxmlformats.org/drawingml/2006/main" xmlns:r="http://schemas.openxmlformats.org/officeDocument/2006/relationships" xmlns:p="http://schemas.openxmlformats.org/presentationml/2006/main" xmlns:m="http://schemas.openxmlformats.org/officeDocument/2006/math" xmlns:w="http://schemas.openxmlformats.org/wordprocessingml/2006/main" saveSubsetFonts="1">
   <p:sldMasterIdLst>
     <p:sldMasterId id="2147483648" r:id="rId1"/>
   </p:sldMasterIdLst>
   <p:sldIdLst>
-    <p:sldId id="256" r:id="rId2"/>
-    <p:sldId id="257" r:id="rId3"/>
-    <p:sldId id="258" r:id="rId4"/>
-    <p:sldId id="259" r:id="rId5"/>
-    <p:sldId id="260" r:id="rId6"/>
-    <p:sldId id="261" r:id="rId7"/>
-    <p:sldId id="262" r:id="rId8"/>
+    <p:sldId id="256" r:id="rId3"/>
+    <p:sldId id="257" r:id="rId4"/>
+    <p:sldId id="258" r:id="rId5"/>
+    <p:sldId id="259" r:id="rId6"/>
+    <p:sldId id="260" r:id="rId7"/>
+    <p:sldId id="261" r:id="rId8"/>
+    <p:sldId id="262" r:id="rId9"/>
   </p:sldIdLst>
   <p:sldSz cx="12192000" cy="6858000"/>
   <p:notesSz cx="12192000" cy="6858000"/>
@@ -110,27 +110,11 @@
       </a:defRPr>
     </a:lvl9pPr>
   </p:defaultTextStyle>
-  <p:extLst>
-    <p:ext uri="{EFAFB233-063F-42B5-8137-9DF3F51BA10A}">
-      <p15:sldGuideLst xmlns:p15="http://schemas.microsoft.com/office/powerpoint/2012/main">
-        <p15:guide id="1" pos="3840">
-          <p15:clr>
-            <a:srgbClr val="A4A3A4"/>
-          </p15:clr>
-        </p15:guide>
-        <p15:guide id="2" orient="horz" pos="2160">
-          <p15:clr>
-            <a:srgbClr val="A4A3A4"/>
-          </p15:clr>
-        </p15:guide>
-      </p15:sldGuideLst>
-    </p:ext>
-  </p:extLst>
 </p:presentation>
 </file>
 
 <file path=ppt/slideLayouts/slideLayout1.xml><?xml version="1.0" encoding="utf-8"?>
-<p:sldLayout xmlns:a="http://schemas.openxmlformats.org/drawingml/2006/main" xmlns:r="http://schemas.openxmlformats.org/officeDocument/2006/relationships" xmlns:p="http://schemas.openxmlformats.org/presentationml/2006/main" showMasterPhAnim="0" type="title" preserve="1" userDrawn="1">
+<p:sldLayout xmlns:a="http://schemas.openxmlformats.org/drawingml/2006/main" xmlns:r="http://schemas.openxmlformats.org/officeDocument/2006/relationships" xmlns:p="http://schemas.openxmlformats.org/presentationml/2006/main" xmlns:m="http://schemas.openxmlformats.org/officeDocument/2006/math" xmlns:w="http://schemas.openxmlformats.org/wordprocessingml/2006/main" matchingName="" preserve="1" showMasterPhAnim="0" type="title" userDrawn="1">
   <p:cSld name="Title Slide">
     <p:spTree>
       <p:nvGrpSpPr>
@@ -271,7 +255,7 @@
             </a:pPr>
             <a:fld id="{3C2B07E4-CDF9-4C88-A2F3-04620E58224D}" type="datetimeFigureOut">
               <a:rPr lang="en-US"/>
-              <a:t>12/4/2024</a:t>
+              <a:t/>
             </a:fld>
             <a:endParaRPr lang="en-US"/>
           </a:p>
@@ -319,7 +303,7 @@
             </a:pPr>
             <a:fld id="{EFE71E98-A417-4ECC-ACEB-C0490C20DB04}" type="slidenum">
               <a:rPr lang="en-US"/>
-              <a:t>‹N°›</a:t>
+              <a:t/>
             </a:fld>
             <a:endParaRPr lang="en-US"/>
           </a:p>
@@ -371,7 +355,7 @@
 </file>
 
 <file path=ppt/slideLayouts/slideLayout10.xml><?xml version="1.0" encoding="utf-8"?>
-<p:sldLayout xmlns:a="http://schemas.openxmlformats.org/drawingml/2006/main" xmlns:r="http://schemas.openxmlformats.org/officeDocument/2006/relationships" xmlns:p="http://schemas.openxmlformats.org/presentationml/2006/main" showMasterPhAnim="0" type="vertTx" preserve="1" userDrawn="1">
+<p:sldLayout xmlns:a="http://schemas.openxmlformats.org/drawingml/2006/main" xmlns:r="http://schemas.openxmlformats.org/officeDocument/2006/relationships" xmlns:p="http://schemas.openxmlformats.org/presentationml/2006/main" xmlns:m="http://schemas.openxmlformats.org/officeDocument/2006/math" xmlns:w="http://schemas.openxmlformats.org/wordprocessingml/2006/main" matchingName="" preserve="1" showMasterPhAnim="0" type="vertTx" userDrawn="1">
   <p:cSld name="Title and Vertical Text">
     <p:spTree>
       <p:nvGrpSpPr>
@@ -548,7 +532,7 @@
             </a:pPr>
             <a:fld id="{3C2B07E4-CDF9-4C88-A2F3-04620E58224D}" type="datetimeFigureOut">
               <a:rPr lang="en-US"/>
-              <a:t>12/4/2024</a:t>
+              <a:t/>
             </a:fld>
             <a:endParaRPr lang="en-US"/>
           </a:p>
@@ -596,7 +580,7 @@
             </a:pPr>
             <a:fld id="{EFE71E98-A417-4ECC-ACEB-C0490C20DB04}" type="slidenum">
               <a:rPr lang="en-US"/>
-              <a:t>‹N°›</a:t>
+              <a:t/>
             </a:fld>
             <a:endParaRPr lang="en-US"/>
           </a:p>
@@ -611,7 +595,7 @@
 </file>
 
 <file path=ppt/slideLayouts/slideLayout11.xml><?xml version="1.0" encoding="utf-8"?>
-<p:sldLayout xmlns:a="http://schemas.openxmlformats.org/drawingml/2006/main" xmlns:r="http://schemas.openxmlformats.org/officeDocument/2006/relationships" xmlns:p="http://schemas.openxmlformats.org/presentationml/2006/main" showMasterPhAnim="0" type="vertTitleAndTx" preserve="1" userDrawn="1">
+<p:sldLayout xmlns:a="http://schemas.openxmlformats.org/drawingml/2006/main" xmlns:r="http://schemas.openxmlformats.org/officeDocument/2006/relationships" xmlns:p="http://schemas.openxmlformats.org/presentationml/2006/main" xmlns:m="http://schemas.openxmlformats.org/officeDocument/2006/math" xmlns:w="http://schemas.openxmlformats.org/wordprocessingml/2006/main" matchingName="" preserve="1" showMasterPhAnim="0" type="vertTitleAndTx" userDrawn="1">
   <p:cSld name="Vertical Title and Text">
     <p:spTree>
       <p:nvGrpSpPr>
@@ -793,7 +777,7 @@
             </a:pPr>
             <a:fld id="{3C2B07E4-CDF9-4C88-A2F3-04620E58224D}" type="datetimeFigureOut">
               <a:rPr lang="en-US"/>
-              <a:t>12/4/2024</a:t>
+              <a:t/>
             </a:fld>
             <a:endParaRPr lang="en-US"/>
           </a:p>
@@ -841,7 +825,7 @@
             </a:pPr>
             <a:fld id="{EFE71E98-A417-4ECC-ACEB-C0490C20DB04}" type="slidenum">
               <a:rPr lang="en-US"/>
-              <a:t>‹N°›</a:t>
+              <a:t/>
             </a:fld>
             <a:endParaRPr lang="en-US"/>
           </a:p>
@@ -856,7 +840,7 @@
 </file>
 
 <file path=ppt/slideLayouts/slideLayout2.xml><?xml version="1.0" encoding="utf-8"?>
-<p:sldLayout xmlns:a="http://schemas.openxmlformats.org/drawingml/2006/main" xmlns:r="http://schemas.openxmlformats.org/officeDocument/2006/relationships" xmlns:p="http://schemas.openxmlformats.org/presentationml/2006/main" showMasterPhAnim="0" type="obj" preserve="1" userDrawn="1">
+<p:sldLayout xmlns:a="http://schemas.openxmlformats.org/drawingml/2006/main" xmlns:r="http://schemas.openxmlformats.org/officeDocument/2006/relationships" xmlns:p="http://schemas.openxmlformats.org/presentationml/2006/main" xmlns:m="http://schemas.openxmlformats.org/officeDocument/2006/math" xmlns:w="http://schemas.openxmlformats.org/wordprocessingml/2006/main" matchingName="" preserve="1" showMasterPhAnim="0" type="obj" userDrawn="1">
   <p:cSld name="Title and Content">
     <p:spTree>
       <p:nvGrpSpPr>
@@ -1038,7 +1022,7 @@
             </a:pPr>
             <a:fld id="{3C2B07E4-CDF9-4C88-A2F3-04620E58224D}" type="datetimeFigureOut">
               <a:rPr lang="en-US"/>
-              <a:t>12/4/2024</a:t>
+              <a:t/>
             </a:fld>
             <a:endParaRPr lang="en-US"/>
           </a:p>
@@ -1086,7 +1070,7 @@
             </a:pPr>
             <a:fld id="{EFE71E98-A417-4ECC-ACEB-C0490C20DB04}" type="slidenum">
               <a:rPr lang="en-US"/>
-              <a:t>‹N°›</a:t>
+              <a:t/>
             </a:fld>
             <a:endParaRPr lang="en-US"/>
           </a:p>
@@ -1101,7 +1085,7 @@
 </file>
 
 <file path=ppt/slideLayouts/slideLayout3.xml><?xml version="1.0" encoding="utf-8"?>
-<p:sldLayout xmlns:a="http://schemas.openxmlformats.org/drawingml/2006/main" xmlns:r="http://schemas.openxmlformats.org/officeDocument/2006/relationships" xmlns:p="http://schemas.openxmlformats.org/presentationml/2006/main" showMasterPhAnim="0" type="secHead" preserve="1" userDrawn="1">
+<p:sldLayout xmlns:a="http://schemas.openxmlformats.org/drawingml/2006/main" xmlns:r="http://schemas.openxmlformats.org/officeDocument/2006/relationships" xmlns:p="http://schemas.openxmlformats.org/presentationml/2006/main" xmlns:m="http://schemas.openxmlformats.org/officeDocument/2006/math" xmlns:w="http://schemas.openxmlformats.org/wordprocessingml/2006/main" matchingName="" preserve="1" showMasterPhAnim="0" type="secHead" userDrawn="1">
   <p:cSld name="Section Header">
     <p:spTree>
       <p:nvGrpSpPr>
@@ -1344,7 +1328,7 @@
             </a:pPr>
             <a:fld id="{3C2B07E4-CDF9-4C88-A2F3-04620E58224D}" type="datetimeFigureOut">
               <a:rPr lang="en-US"/>
-              <a:t>12/4/2024</a:t>
+              <a:t/>
             </a:fld>
             <a:endParaRPr lang="en-US"/>
           </a:p>
@@ -1392,7 +1376,7 @@
             </a:pPr>
             <a:fld id="{EFE71E98-A417-4ECC-ACEB-C0490C20DB04}" type="slidenum">
               <a:rPr lang="en-US"/>
-              <a:t>‹N°›</a:t>
+              <a:t/>
             </a:fld>
             <a:endParaRPr lang="en-US"/>
           </a:p>
@@ -1407,7 +1391,7 @@
 </file>
 
 <file path=ppt/slideLayouts/slideLayout4.xml><?xml version="1.0" encoding="utf-8"?>
-<p:sldLayout xmlns:a="http://schemas.openxmlformats.org/drawingml/2006/main" xmlns:r="http://schemas.openxmlformats.org/officeDocument/2006/relationships" xmlns:p="http://schemas.openxmlformats.org/presentationml/2006/main" showMasterPhAnim="0" type="twoObj" preserve="1" userDrawn="1">
+<p:sldLayout xmlns:a="http://schemas.openxmlformats.org/drawingml/2006/main" xmlns:r="http://schemas.openxmlformats.org/officeDocument/2006/relationships" xmlns:p="http://schemas.openxmlformats.org/presentationml/2006/main" xmlns:m="http://schemas.openxmlformats.org/officeDocument/2006/math" xmlns:w="http://schemas.openxmlformats.org/wordprocessingml/2006/main" matchingName="" preserve="1" showMasterPhAnim="0" type="twoObj" userDrawn="1">
   <p:cSld name="Two Content">
     <p:spTree>
       <p:nvGrpSpPr>
@@ -1696,7 +1680,7 @@
             </a:pPr>
             <a:fld id="{3C2B07E4-CDF9-4C88-A2F3-04620E58224D}" type="datetimeFigureOut">
               <a:rPr lang="en-US"/>
-              <a:t>12/4/2024</a:t>
+              <a:t/>
             </a:fld>
             <a:endParaRPr lang="en-US"/>
           </a:p>
@@ -1744,7 +1728,7 @@
             </a:pPr>
             <a:fld id="{EFE71E98-A417-4ECC-ACEB-C0490C20DB04}" type="slidenum">
               <a:rPr lang="en-US"/>
-              <a:t>‹N°›</a:t>
+              <a:t/>
             </a:fld>
             <a:endParaRPr lang="en-US"/>
           </a:p>
@@ -1759,7 +1743,7 @@
 </file>
 
 <file path=ppt/slideLayouts/slideLayout5.xml><?xml version="1.0" encoding="utf-8"?>
-<p:sldLayout xmlns:a="http://schemas.openxmlformats.org/drawingml/2006/main" xmlns:r="http://schemas.openxmlformats.org/officeDocument/2006/relationships" xmlns:p="http://schemas.openxmlformats.org/presentationml/2006/main" showMasterPhAnim="0" type="twoTxTwoObj" preserve="1" userDrawn="1">
+<p:sldLayout xmlns:a="http://schemas.openxmlformats.org/drawingml/2006/main" xmlns:r="http://schemas.openxmlformats.org/officeDocument/2006/relationships" xmlns:p="http://schemas.openxmlformats.org/presentationml/2006/main" xmlns:m="http://schemas.openxmlformats.org/officeDocument/2006/math" xmlns:w="http://schemas.openxmlformats.org/wordprocessingml/2006/main" matchingName="" preserve="1" showMasterPhAnim="0" type="twoTxTwoObj" userDrawn="1">
   <p:cSld name="Comparison">
     <p:spTree>
       <p:nvGrpSpPr>
@@ -2204,7 +2188,7 @@
             </a:pPr>
             <a:fld id="{3C2B07E4-CDF9-4C88-A2F3-04620E58224D}" type="datetimeFigureOut">
               <a:rPr lang="en-US"/>
-              <a:t>12/4/2024</a:t>
+              <a:t/>
             </a:fld>
             <a:endParaRPr lang="en-US"/>
           </a:p>
@@ -2252,7 +2236,7 @@
             </a:pPr>
             <a:fld id="{EFE71E98-A417-4ECC-ACEB-C0490C20DB04}" type="slidenum">
               <a:rPr lang="en-US"/>
-              <a:t>‹N°›</a:t>
+              <a:t/>
             </a:fld>
             <a:endParaRPr lang="en-US"/>
           </a:p>
@@ -2386,7 +2370,7 @@
 </file>
 
 <file path=ppt/slideLayouts/slideLayout6.xml><?xml version="1.0" encoding="utf-8"?>
-<p:sldLayout xmlns:a="http://schemas.openxmlformats.org/drawingml/2006/main" xmlns:r="http://schemas.openxmlformats.org/officeDocument/2006/relationships" xmlns:p="http://schemas.openxmlformats.org/presentationml/2006/main" showMasterPhAnim="0" type="titleOnly" preserve="1" userDrawn="1">
+<p:sldLayout xmlns:a="http://schemas.openxmlformats.org/drawingml/2006/main" xmlns:r="http://schemas.openxmlformats.org/officeDocument/2006/relationships" xmlns:p="http://schemas.openxmlformats.org/presentationml/2006/main" xmlns:m="http://schemas.openxmlformats.org/officeDocument/2006/math" xmlns:w="http://schemas.openxmlformats.org/wordprocessingml/2006/main" matchingName="" preserve="1" showMasterPhAnim="0" type="titleOnly" userDrawn="1">
   <p:cSld name="Title Only">
     <p:spTree>
       <p:nvGrpSpPr>
@@ -2496,7 +2480,7 @@
             </a:pPr>
             <a:fld id="{3C2B07E4-CDF9-4C88-A2F3-04620E58224D}" type="datetimeFigureOut">
               <a:rPr lang="en-US"/>
-              <a:t>12/4/2024</a:t>
+              <a:t/>
             </a:fld>
             <a:endParaRPr lang="en-US"/>
           </a:p>
@@ -2544,7 +2528,7 @@
             </a:pPr>
             <a:fld id="{EFE71E98-A417-4ECC-ACEB-C0490C20DB04}" type="slidenum">
               <a:rPr lang="en-US"/>
-              <a:t>‹N°›</a:t>
+              <a:t/>
             </a:fld>
             <a:endParaRPr lang="en-US"/>
           </a:p>
@@ -2559,7 +2543,7 @@
 </file>
 
 <file path=ppt/slideLayouts/slideLayout7.xml><?xml version="1.0" encoding="utf-8"?>
-<p:sldLayout xmlns:a="http://schemas.openxmlformats.org/drawingml/2006/main" xmlns:r="http://schemas.openxmlformats.org/officeDocument/2006/relationships" xmlns:p="http://schemas.openxmlformats.org/presentationml/2006/main" showMasterPhAnim="0" type="blank" preserve="1" userDrawn="1">
+<p:sldLayout xmlns:a="http://schemas.openxmlformats.org/drawingml/2006/main" xmlns:r="http://schemas.openxmlformats.org/officeDocument/2006/relationships" xmlns:p="http://schemas.openxmlformats.org/presentationml/2006/main" xmlns:m="http://schemas.openxmlformats.org/officeDocument/2006/math" xmlns:w="http://schemas.openxmlformats.org/wordprocessingml/2006/main" matchingName="" preserve="1" showMasterPhAnim="0" type="blank" userDrawn="1">
   <p:cSld name="Blank">
     <p:spTree>
       <p:nvGrpSpPr>
@@ -2595,7 +2579,7 @@
             </a:pPr>
             <a:fld id="{3C2B07E4-CDF9-4C88-A2F3-04620E58224D}" type="datetimeFigureOut">
               <a:rPr lang="en-US"/>
-              <a:t>12/4/2024</a:t>
+              <a:t/>
             </a:fld>
             <a:endParaRPr lang="en-US"/>
           </a:p>
@@ -2643,7 +2627,7 @@
             </a:pPr>
             <a:fld id="{EFE71E98-A417-4ECC-ACEB-C0490C20DB04}" type="slidenum">
               <a:rPr lang="en-US"/>
-              <a:t>‹N°›</a:t>
+              <a:t/>
             </a:fld>
             <a:endParaRPr lang="en-US"/>
           </a:p>
@@ -2658,7 +2642,7 @@
 </file>
 
 <file path=ppt/slideLayouts/slideLayout8.xml><?xml version="1.0" encoding="utf-8"?>
-<p:sldLayout xmlns:a="http://schemas.openxmlformats.org/drawingml/2006/main" xmlns:r="http://schemas.openxmlformats.org/officeDocument/2006/relationships" xmlns:p="http://schemas.openxmlformats.org/presentationml/2006/main" showMasterPhAnim="0" type="objTx" preserve="1" userDrawn="1">
+<p:sldLayout xmlns:a="http://schemas.openxmlformats.org/drawingml/2006/main" xmlns:r="http://schemas.openxmlformats.org/officeDocument/2006/relationships" xmlns:p="http://schemas.openxmlformats.org/presentationml/2006/main" xmlns:m="http://schemas.openxmlformats.org/officeDocument/2006/math" xmlns:w="http://schemas.openxmlformats.org/wordprocessingml/2006/main" matchingName="" preserve="1" showMasterPhAnim="0" type="objTx" userDrawn="1">
   <p:cSld name="Content with Caption">
     <p:spTree>
       <p:nvGrpSpPr>
@@ -2926,7 +2910,7 @@
             </a:pPr>
             <a:fld id="{3C2B07E4-CDF9-4C88-A2F3-04620E58224D}" type="datetimeFigureOut">
               <a:rPr lang="en-US"/>
-              <a:t>12/4/2024</a:t>
+              <a:t/>
             </a:fld>
             <a:endParaRPr lang="en-US"/>
           </a:p>
@@ -2974,7 +2958,7 @@
             </a:pPr>
             <a:fld id="{EFE71E98-A417-4ECC-ACEB-C0490C20DB04}" type="slidenum">
               <a:rPr lang="en-US"/>
-              <a:t>‹N°›</a:t>
+              <a:t/>
             </a:fld>
             <a:endParaRPr lang="en-US"/>
           </a:p>
@@ -2989,7 +2973,7 @@
 </file>
 
 <file path=ppt/slideLayouts/slideLayout9.xml><?xml version="1.0" encoding="utf-8"?>
-<p:sldLayout xmlns:a="http://schemas.openxmlformats.org/drawingml/2006/main" xmlns:r="http://schemas.openxmlformats.org/officeDocument/2006/relationships" xmlns:p="http://schemas.openxmlformats.org/presentationml/2006/main" showMasterPhAnim="0" type="picTx" preserve="1" userDrawn="1">
+<p:sldLayout xmlns:a="http://schemas.openxmlformats.org/drawingml/2006/main" xmlns:r="http://schemas.openxmlformats.org/officeDocument/2006/relationships" xmlns:p="http://schemas.openxmlformats.org/presentationml/2006/main" xmlns:m="http://schemas.openxmlformats.org/officeDocument/2006/math" xmlns:w="http://schemas.openxmlformats.org/wordprocessingml/2006/main" matchingName="" preserve="1" showMasterPhAnim="0" type="picTx" userDrawn="1">
   <p:cSld name="Picture with Caption">
     <p:spTree>
       <p:nvGrpSpPr>
@@ -3204,7 +3188,7 @@
             </a:pPr>
             <a:fld id="{3C2B07E4-CDF9-4C88-A2F3-04620E58224D}" type="datetimeFigureOut">
               <a:rPr lang="en-US"/>
-              <a:t>12/4/2024</a:t>
+              <a:t/>
             </a:fld>
             <a:endParaRPr lang="en-US"/>
           </a:p>
@@ -3252,7 +3236,7 @@
             </a:pPr>
             <a:fld id="{EFE71E98-A417-4ECC-ACEB-C0490C20DB04}" type="slidenum">
               <a:rPr lang="en-US"/>
-              <a:t>‹N°›</a:t>
+              <a:t/>
             </a:fld>
             <a:endParaRPr lang="en-US"/>
           </a:p>
@@ -3267,8 +3251,8 @@
 </file>
 
 <file path=ppt/slideMasters/slideMaster1.xml><?xml version="1.0" encoding="utf-8"?>
-<p:sldMaster xmlns:a="http://schemas.openxmlformats.org/drawingml/2006/main" xmlns:r="http://schemas.openxmlformats.org/officeDocument/2006/relationships" xmlns:p="http://schemas.openxmlformats.org/presentationml/2006/main">
-  <p:cSld>
+<p:sldMaster xmlns:a="http://schemas.openxmlformats.org/drawingml/2006/main" xmlns:r="http://schemas.openxmlformats.org/officeDocument/2006/relationships" xmlns:p="http://schemas.openxmlformats.org/presentationml/2006/main" xmlns:m="http://schemas.openxmlformats.org/officeDocument/2006/math" xmlns:w="http://schemas.openxmlformats.org/wordprocessingml/2006/main" preserve="0">
+  <p:cSld name="">
     <p:bg>
       <p:bgRef idx="1001">
         <a:schemeClr val="bg1"/>
@@ -3436,7 +3420,7 @@
             </a:pPr>
             <a:fld id="{3C2B07E4-CDF9-4C88-A2F3-04620E58224D}" type="datetimeFigureOut">
               <a:rPr lang="en-US"/>
-              <a:t>12/4/2024</a:t>
+              <a:t/>
             </a:fld>
             <a:endParaRPr lang="en-US"/>
           </a:p>
@@ -3519,7 +3503,7 @@
             </a:pPr>
             <a:fld id="{EFE71E98-A417-4ECC-ACEB-C0490C20DB04}" type="slidenum">
               <a:rPr lang="en-US"/>
-              <a:t>‹N°›</a:t>
+              <a:t/>
             </a:fld>
             <a:endParaRPr lang="en-US"/>
           </a:p>
@@ -3830,14 +3814,13 @@
 </file>
 
 <file path=ppt/slides/slide1.xml><?xml version="1.0" encoding="utf-8"?>
-<p:sld xmlns:a="http://schemas.openxmlformats.org/drawingml/2006/main" xmlns:r="http://schemas.openxmlformats.org/officeDocument/2006/relationships" xmlns:p="http://schemas.openxmlformats.org/presentationml/2006/main" showMasterPhAnim="0">
-  <p:cSld>
+<p:sld xmlns:a="http://schemas.openxmlformats.org/drawingml/2006/main" xmlns:r="http://schemas.openxmlformats.org/officeDocument/2006/relationships" xmlns:p="http://schemas.openxmlformats.org/presentationml/2006/main" xmlns:m="http://schemas.openxmlformats.org/officeDocument/2006/math" xmlns:w="http://schemas.openxmlformats.org/wordprocessingml/2006/main" showMasterPhAnim="0" show="1">
+  <p:cSld name="">
     <p:bg>
-      <p:bgPr>
+      <p:bgPr shadeToTitle="0">
         <a:solidFill>
           <a:schemeClr val="bg1"/>
         </a:solidFill>
-        <a:effectLst/>
       </p:bgPr>
     </p:bg>
     <p:spTree>
@@ -3858,7 +3841,7 @@
         <p:nvSpPr>
           <p:cNvPr id="15" name="Rectangle 14"/>
           <p:cNvSpPr>
-            <a:spLocks noGrp="1" noRot="1" noChangeAspect="1" noMove="1" noResize="1" noEditPoints="1" noAdjustHandles="1" noChangeArrowheads="1" noChangeShapeType="1" noTextEdit="1"/>
+            <a:spLocks noAdjustHandles="1" noChangeArrowheads="1" noChangeAspect="1" noChangeShapeType="1" noEditPoints="1" noGrp="1" noMove="1" noResize="1" noRot="1" noTextEdit="1"/>
           </p:cNvSpPr>
           <p:nvPr/>
         </p:nvSpPr>
@@ -3919,7 +3902,7 @@
           <a:blip r:embed="rId2">
             <a:alphaModFix amt="50000"/>
           </a:blip>
-          <a:srcRect t="25000"/>
+          <a:srcRect l="0" t="25000" r="0" b="0"/>
           <a:stretch/>
         </p:blipFill>
         <p:spPr bwMode="auto">
@@ -3958,10 +3941,10 @@
               <a:defRPr/>
             </a:pPr>
             <a:r>
-              <a:rPr lang="fr-FR" sz="6600" dirty="0"/>
+              <a:rPr lang="fr-FR" sz="6600"/>
               <a:t>COURS WEB 7</a:t>
             </a:r>
-            <a:endParaRPr lang="fr-FR" dirty="0"/>
+            <a:endParaRPr lang="fr-FR"/>
           </a:p>
         </p:txBody>
       </p:sp>
@@ -4002,7 +3985,7 @@
         <p:nvCxnSpPr>
           <p:cNvPr id="17" name="Straight Connector 10"/>
           <p:cNvCxnSpPr>
-            <a:cxnSpLocks noGrp="1" noRot="1" noChangeAspect="1" noMove="1" noResize="1" noEditPoints="1" noAdjustHandles="1" noChangeArrowheads="1" noChangeShapeType="1"/>
+            <a:cxnSpLocks noAdjustHandles="1" noChangeArrowheads="1" noChangeAspect="1" noChangeShapeType="1" noEditPoints="1" noGrp="1" noMove="1" noResize="1" noRot="1"/>
           </p:cNvCxnSpPr>
           <p:nvPr/>
         </p:nvCxnSpPr>
@@ -4228,10 +4211,10 @@
               <a:defRPr/>
             </a:pPr>
             <a:r>
-              <a:rPr lang="fr-FR" dirty="0"/>
+              <a:rPr lang="fr-FR"/>
               <a:t>Cours N°7</a:t>
             </a:r>
-            <a:endParaRPr dirty="0"/>
+            <a:endParaRPr/>
           </a:p>
         </p:txBody>
       </p:sp>
@@ -4440,12 +4423,20 @@
   <p:clrMapOvr>
     <a:masterClrMapping/>
   </p:clrMapOvr>
+  <mc:AlternateContent xmlns:mc="http://schemas.openxmlformats.org/markup-compatibility/2006">
+    <mc:Choice xmlns:p14="http://schemas.microsoft.com/office/powerpoint/2010/main" Requires="p14">
+      <p:transition p14:dur="2000" advClick="1"/>
+    </mc:Choice>
+    <mc:Fallback>
+      <p:transition advClick="1"/>
+    </mc:Fallback>
+  </mc:AlternateContent>
 </p:sld>
 </file>
 
 <file path=ppt/slides/slide2.xml><?xml version="1.0" encoding="utf-8"?>
-<p:sld xmlns:a="http://schemas.openxmlformats.org/drawingml/2006/main" xmlns:r="http://schemas.openxmlformats.org/officeDocument/2006/relationships" xmlns:p="http://schemas.openxmlformats.org/presentationml/2006/main" showMasterPhAnim="0">
-  <p:cSld>
+<p:sld xmlns:a="http://schemas.openxmlformats.org/drawingml/2006/main" xmlns:r="http://schemas.openxmlformats.org/officeDocument/2006/relationships" xmlns:p="http://schemas.openxmlformats.org/presentationml/2006/main" xmlns:m="http://schemas.openxmlformats.org/officeDocument/2006/math" xmlns:w="http://schemas.openxmlformats.org/wordprocessingml/2006/main" showMasterPhAnim="0" show="1">
+  <p:cSld name="">
     <p:spTree>
       <p:nvGrpSpPr>
         <p:cNvPr id="1" name=""/>
@@ -4484,14 +4475,14 @@
               <a:defRPr/>
             </a:pPr>
             <a:r>
-              <a:rPr lang="fr-FR" sz="6600" dirty="0" err="1"/>
+              <a:rPr lang="fr-FR" sz="6600"/>
               <a:t>Flexbox</a:t>
             </a:r>
             <a:r>
-              <a:rPr lang="fr-FR" sz="6600" dirty="0"/>
+              <a:rPr lang="fr-FR" sz="6600"/>
               <a:t> (Suite)</a:t>
             </a:r>
-            <a:endParaRPr dirty="0"/>
+            <a:endParaRPr/>
           </a:p>
         </p:txBody>
       </p:sp>
@@ -4500,12 +4491,20 @@
   <p:clrMapOvr>
     <a:masterClrMapping/>
   </p:clrMapOvr>
+  <mc:AlternateContent xmlns:mc="http://schemas.openxmlformats.org/markup-compatibility/2006">
+    <mc:Choice xmlns:p14="http://schemas.microsoft.com/office/powerpoint/2010/main" Requires="p14">
+      <p:transition p14:dur="2000" advClick="1"/>
+    </mc:Choice>
+    <mc:Fallback>
+      <p:transition advClick="1"/>
+    </mc:Fallback>
+  </mc:AlternateContent>
 </p:sld>
 </file>
 
 <file path=ppt/slides/slide3.xml><?xml version="1.0" encoding="utf-8"?>
-<p:sld xmlns:a="http://schemas.openxmlformats.org/drawingml/2006/main" xmlns:r="http://schemas.openxmlformats.org/officeDocument/2006/relationships" xmlns:p="http://schemas.openxmlformats.org/presentationml/2006/main" showMasterPhAnim="0">
-  <p:cSld>
+<p:sld xmlns:a="http://schemas.openxmlformats.org/drawingml/2006/main" xmlns:r="http://schemas.openxmlformats.org/officeDocument/2006/relationships" xmlns:p="http://schemas.openxmlformats.org/presentationml/2006/main" xmlns:m="http://schemas.openxmlformats.org/officeDocument/2006/math" xmlns:w="http://schemas.openxmlformats.org/wordprocessingml/2006/main" showMasterPhAnim="0" show="1">
+  <p:cSld name="">
     <p:spTree>
       <p:nvGrpSpPr>
         <p:cNvPr id="1" name=""/>
@@ -4532,7 +4531,7 @@
         </p:nvSpPr>
         <p:spPr bwMode="auto">
           <a:xfrm>
-            <a:off x="902795" y="878889"/>
+            <a:off x="902795" y="878888"/>
             <a:ext cx="10386410" cy="5646198"/>
           </a:xfrm>
         </p:spPr>
@@ -4552,7 +4551,7 @@
               <a:defRPr/>
             </a:pPr>
             <a:r>
-              <a:rPr lang="fr-FR" sz="2800" b="1" i="0" u="none" strike="noStrike" cap="all" spc="599" dirty="0">
+              <a:rPr lang="fr-FR" sz="2800" b="1" i="0" u="none" strike="noStrike" cap="all" spc="599">
                 <a:solidFill>
                   <a:schemeClr val="tx1"/>
                 </a:solidFill>
@@ -4562,7 +4561,7 @@
               <a:t>RAPPEL:</a:t>
             </a:r>
             <a:br>
-              <a:rPr lang="fr-FR" sz="2800" b="1" i="0" u="none" strike="noStrike" cap="all" spc="599" dirty="0">
+              <a:rPr lang="fr-FR" sz="2800" b="1" i="0" u="none" strike="noStrike" cap="all" spc="599">
                 <a:solidFill>
                   <a:schemeClr val="tx1"/>
                 </a:solidFill>
@@ -4571,7 +4570,7 @@
               </a:rPr>
             </a:br>
             <a:r>
-              <a:rPr lang="fr-FR" sz="2800" b="1" i="0" u="none" strike="noStrike" cap="all" spc="599" dirty="0">
+              <a:rPr lang="fr-FR" sz="2800" b="1" i="0" u="none" strike="noStrike" cap="all" spc="599">
                 <a:solidFill>
                   <a:schemeClr val="tx1"/>
                 </a:solidFill>
@@ -4581,41 +4580,41 @@
               <a:t>• </a:t>
             </a:r>
             <a:r>
-              <a:rPr lang="fr-FR" dirty="0"/>
+              <a:rPr lang="fr-FR"/>
               <a:t>Définition : </a:t>
             </a:r>
             <a:r>
-              <a:rPr lang="fr-FR" dirty="0" err="1"/>
+              <a:rPr lang="fr-FR"/>
               <a:t>Flexbox</a:t>
             </a:r>
             <a:r>
-              <a:rPr lang="fr-FR" dirty="0"/>
+              <a:rPr lang="fr-FR"/>
               <a:t> (Flexible Box) est une méthode de mise en page en CSS.</a:t>
             </a:r>
             <a:br>
-              <a:rPr lang="fr-FR" dirty="0"/>
+              <a:rPr lang="fr-FR"/>
             </a:br>
             <a:br>
-              <a:rPr lang="fr-FR" dirty="0"/>
+              <a:rPr lang="fr-FR"/>
             </a:br>
             <a:r>
-              <a:rPr lang="fr-FR" dirty="0"/>
+              <a:rPr lang="fr-FR"/>
               <a:t>• Objectif : Faciliter l’alignement, la distribution et l’organisation des éléments dans un conteneur.</a:t>
             </a:r>
             <a:br>
-              <a:rPr lang="fr-FR" dirty="0"/>
+              <a:rPr lang="fr-FR"/>
             </a:br>
             <a:br>
-              <a:rPr lang="fr-FR" dirty="0"/>
+              <a:rPr lang="fr-FR"/>
             </a:br>
             <a:r>
-              <a:rPr lang="fr-FR" dirty="0"/>
+              <a:rPr lang="fr-FR"/>
               <a:t>• Particularité : Fonctionne même avec des éléments de tailles dynamiques ou inconnues.</a:t>
             </a:r>
             <a:br>
-              <a:rPr lang="fr-FR" dirty="0"/>
+              <a:rPr lang="fr-FR"/>
             </a:br>
-            <a:endParaRPr dirty="0"/>
+            <a:endParaRPr/>
           </a:p>
         </p:txBody>
       </p:sp>
@@ -4624,18 +4623,25 @@
   <p:clrMapOvr>
     <a:masterClrMapping/>
   </p:clrMapOvr>
+  <mc:AlternateContent xmlns:mc="http://schemas.openxmlformats.org/markup-compatibility/2006">
+    <mc:Choice xmlns:p14="http://schemas.microsoft.com/office/powerpoint/2010/main" Requires="p14">
+      <p:transition p14:dur="2000" advClick="1"/>
+    </mc:Choice>
+    <mc:Fallback>
+      <p:transition advClick="1"/>
+    </mc:Fallback>
+  </mc:AlternateContent>
 </p:sld>
 </file>
 
 <file path=ppt/slides/slide4.xml><?xml version="1.0" encoding="utf-8"?>
-<p:sld xmlns:a="http://schemas.openxmlformats.org/drawingml/2006/main" xmlns:r="http://schemas.openxmlformats.org/officeDocument/2006/relationships" xmlns:p="http://schemas.openxmlformats.org/presentationml/2006/main" showMasterPhAnim="0">
-  <p:cSld>
+<p:sld xmlns:a="http://schemas.openxmlformats.org/drawingml/2006/main" xmlns:r="http://schemas.openxmlformats.org/officeDocument/2006/relationships" xmlns:p="http://schemas.openxmlformats.org/presentationml/2006/main" xmlns:m="http://schemas.openxmlformats.org/officeDocument/2006/math" xmlns:w="http://schemas.openxmlformats.org/wordprocessingml/2006/main" showMasterPhAnim="0" show="1">
+  <p:cSld name="">
     <p:bg>
-      <p:bgPr>
+      <p:bgPr shadeToTitle="0">
         <a:solidFill>
           <a:schemeClr val="bg1"/>
         </a:solidFill>
-        <a:effectLst/>
       </p:bgPr>
     </p:bg>
     <p:spTree>
@@ -4656,7 +4662,7 @@
         <p:nvSpPr>
           <p:cNvPr id="9" name="Rectangle 8"/>
           <p:cNvSpPr>
-            <a:spLocks noGrp="1" noRot="1" noChangeAspect="1" noMove="1" noResize="1" noEditPoints="1" noAdjustHandles="1" noChangeArrowheads="1" noChangeShapeType="1" noTextEdit="1"/>
+            <a:spLocks noAdjustHandles="1" noChangeArrowheads="1" noChangeAspect="1" noChangeShapeType="1" noEditPoints="1" noGrp="1" noMove="1" noResize="1" noRot="1" noTextEdit="1"/>
           </p:cNvSpPr>
           <p:nvPr/>
         </p:nvSpPr>
@@ -4745,7 +4751,7 @@
         <p:nvCxnSpPr>
           <p:cNvPr id="11" name="Straight Connector 10"/>
           <p:cNvCxnSpPr>
-            <a:cxnSpLocks noGrp="1" noRot="1" noChangeAspect="1" noMove="1" noResize="1" noEditPoints="1" noAdjustHandles="1" noChangeArrowheads="1" noChangeShapeType="1"/>
+            <a:cxnSpLocks noAdjustHandles="1" noChangeArrowheads="1" noChangeAspect="1" noChangeShapeType="1" noEditPoints="1" noGrp="1" noMove="1" noResize="1" noRot="1"/>
           </p:cNvCxnSpPr>
           <p:nvPr/>
         </p:nvCxnSpPr>
@@ -4841,6 +4847,7 @@
               <a:rPr sz="2200"/>
               <a:t>On active le flexbox dans notre container : </a:t>
             </a:r>
+            <a:endParaRPr/>
           </a:p>
         </p:txBody>
       </p:sp>
@@ -4871,12 +4878,20 @@
   <p:clrMapOvr>
     <a:overrideClrMapping bg1="lt1" tx1="dk1" bg2="lt2" tx2="dk2" accent1="accent1" accent2="accent2" accent3="accent3" accent4="accent4" accent5="accent5" accent6="accent6" hlink="hlink" folHlink="folHlink"/>
   </p:clrMapOvr>
+  <mc:AlternateContent xmlns:mc="http://schemas.openxmlformats.org/markup-compatibility/2006">
+    <mc:Choice xmlns:p14="http://schemas.microsoft.com/office/powerpoint/2010/main" Requires="p14">
+      <p:transition p14:dur="2000" advClick="1"/>
+    </mc:Choice>
+    <mc:Fallback>
+      <p:transition advClick="1"/>
+    </mc:Fallback>
+  </mc:AlternateContent>
 </p:sld>
 </file>
 
 <file path=ppt/slides/slide5.xml><?xml version="1.0" encoding="utf-8"?>
-<p:sld xmlns:a="http://schemas.openxmlformats.org/drawingml/2006/main" xmlns:r="http://schemas.openxmlformats.org/officeDocument/2006/relationships" xmlns:p="http://schemas.openxmlformats.org/presentationml/2006/main" showMasterPhAnim="0">
-  <p:cSld>
+<p:sld xmlns:a="http://schemas.openxmlformats.org/drawingml/2006/main" xmlns:r="http://schemas.openxmlformats.org/officeDocument/2006/relationships" xmlns:p="http://schemas.openxmlformats.org/presentationml/2006/main" xmlns:m="http://schemas.openxmlformats.org/officeDocument/2006/math" xmlns:w="http://schemas.openxmlformats.org/wordprocessingml/2006/main" showMasterPhAnim="0" show="1">
+  <p:cSld name="">
     <p:spTree>
       <p:nvGrpSpPr>
         <p:cNvPr id="1" name=""/>
@@ -4895,7 +4910,7 @@
         <p:nvSpPr>
           <p:cNvPr id="1699376361" name="Rectangle 8"/>
           <p:cNvSpPr>
-            <a:spLocks noGrp="1" noRot="1" noChangeAspect="1" noMove="1" noResize="1" noEditPoints="1" noAdjustHandles="1" noChangeArrowheads="1" noChangeShapeType="1" noTextEdit="1"/>
+            <a:spLocks noAdjustHandles="1" noChangeArrowheads="1" noChangeAspect="1" noChangeShapeType="1" noEditPoints="1" noGrp="1" noMove="1" noResize="1" noRot="1" noTextEdit="1"/>
           </p:cNvSpPr>
           <p:nvPr/>
         </p:nvSpPr>
@@ -4984,7 +4999,7 @@
         <p:nvCxnSpPr>
           <p:cNvPr id="546034297" name="Straight Connector 10"/>
           <p:cNvCxnSpPr>
-            <a:cxnSpLocks noGrp="1" noRot="1" noChangeAspect="1" noMove="1" noResize="1" noEditPoints="1" noAdjustHandles="1" noChangeArrowheads="1" noChangeShapeType="1"/>
+            <a:cxnSpLocks noAdjustHandles="1" noChangeArrowheads="1" noChangeAspect="1" noChangeShapeType="1" noEditPoints="1" noGrp="1" noMove="1" noResize="1" noRot="1"/>
           </p:cNvCxnSpPr>
           <p:nvPr/>
         </p:nvCxnSpPr>
@@ -5044,19 +5059,27 @@
   <p:clrMapOvr>
     <a:overrideClrMapping bg1="lt1" tx1="dk1" bg2="lt2" tx2="dk2" accent1="accent1" accent2="accent2" accent3="accent3" accent4="accent4" accent5="accent5" accent6="accent6" hlink="hlink" folHlink="folHlink"/>
   </p:clrMapOvr>
+  <mc:AlternateContent xmlns:mc="http://schemas.openxmlformats.org/markup-compatibility/2006">
+    <mc:Choice xmlns:p14="http://schemas.microsoft.com/office/powerpoint/2010/main" Requires="p14">
+      <p:transition p14:dur="2000" advClick="1"/>
+    </mc:Choice>
+    <mc:Fallback>
+      <p:transition advClick="1"/>
+    </mc:Fallback>
+  </mc:AlternateContent>
 </p:sld>
 </file>
 
 <file path=ppt/slides/slide6.xml><?xml version="1.0" encoding="utf-8"?>
-<p:sld xmlns:a="http://schemas.openxmlformats.org/drawingml/2006/main" xmlns:r="http://schemas.openxmlformats.org/officeDocument/2006/relationships" xmlns:p="http://schemas.openxmlformats.org/presentationml/2006/main">
-  <p:cSld>
+<p:sld xmlns:a="http://schemas.openxmlformats.org/drawingml/2006/main" xmlns:r="http://schemas.openxmlformats.org/officeDocument/2006/relationships" xmlns:p="http://schemas.openxmlformats.org/presentationml/2006/main" xmlns:m="http://schemas.openxmlformats.org/officeDocument/2006/math" xmlns:w="http://schemas.openxmlformats.org/wordprocessingml/2006/main" showMasterPhAnim="0" show="1">
+  <p:cSld name="">
     <p:spTree>
       <p:nvGrpSpPr>
         <p:cNvPr id="1" name=""/>
         <p:cNvGrpSpPr/>
         <p:nvPr/>
       </p:nvGrpSpPr>
-      <p:grpSpPr>
+      <p:grpSpPr bwMode="auto">
         <a:xfrm>
           <a:off x="0" y="0"/>
           <a:ext cx="0" cy="0"/>
@@ -5064,53 +5087,80 @@
           <a:chExt cx="0" cy="0"/>
         </a:xfrm>
       </p:grpSpPr>
-      <p:pic>
-        <p:nvPicPr>
-          <p:cNvPr id="4" name="Espace réservé du contenu 3">
-            <a:extLst>
-              <a:ext uri="{FF2B5EF4-FFF2-40B4-BE49-F238E27FC236}">
-                <a16:creationId xmlns:a16="http://schemas.microsoft.com/office/drawing/2014/main" id="{7881A3DD-101F-4A4E-AB33-DDA8C3B25695}"/>
-              </a:ext>
-            </a:extLst>
-          </p:cNvPr>
-          <p:cNvPicPr>
-            <a:picLocks noGrp="1" noChangeAspect="1"/>
-          </p:cNvPicPr>
+      <p:sp>
+        <p:nvSpPr>
+          <p:cNvPr id="607681306" name="Content Placeholder 2"/>
+          <p:cNvSpPr>
+            <a:spLocks noGrp="1"/>
+          </p:cNvSpPr>
           <p:nvPr>
             <p:ph idx="1"/>
           </p:nvPr>
-        </p:nvPicPr>
-        <p:blipFill>
-          <a:blip r:embed="rId2"/>
-          <a:stretch>
-            <a:fillRect/>
-          </a:stretch>
-        </p:blipFill>
-        <p:spPr>
+        </p:nvSpPr>
+        <p:spPr bwMode="auto">
           <a:xfrm>
-            <a:off x="201579" y="1110483"/>
-            <a:ext cx="6492181" cy="5042515"/>
-          </a:xfrm>
-          <a:prstGeom prst="rect">
-            <a:avLst/>
-          </a:prstGeom>
-        </p:spPr>
-      </p:pic>
+            <a:off x="1429565" y="2286000"/>
+            <a:ext cx="9238433" cy="3809999"/>
+          </a:xfrm>
+        </p:spPr>
+        <p:txBody>
+          <a:bodyPr/>
+          <a:lstStyle>
+            <a:lvl1pPr>
+              <a:defRPr>
+                <a:solidFill>
+                  <a:schemeClr val="tx1"/>
+                </a:solidFill>
+              </a:defRPr>
+            </a:lvl1pPr>
+            <a:lvl2pPr>
+              <a:defRPr>
+                <a:solidFill>
+                  <a:schemeClr val="tx1"/>
+                </a:solidFill>
+              </a:defRPr>
+            </a:lvl2pPr>
+            <a:lvl3pPr>
+              <a:defRPr>
+                <a:solidFill>
+                  <a:schemeClr val="tx1"/>
+                </a:solidFill>
+              </a:defRPr>
+            </a:lvl3pPr>
+            <a:lvl4pPr>
+              <a:defRPr>
+                <a:solidFill>
+                  <a:schemeClr val="tx1"/>
+                </a:solidFill>
+              </a:defRPr>
+            </a:lvl4pPr>
+            <a:lvl5pPr>
+              <a:defRPr>
+                <a:solidFill>
+                  <a:schemeClr val="tx1"/>
+                </a:solidFill>
+              </a:defRPr>
+            </a:lvl5pPr>
+          </a:lstStyle>
+          <a:p>
+            <a:pPr>
+              <a:defRPr/>
+            </a:pPr>
+            <a:endParaRPr/>
+          </a:p>
+        </p:txBody>
+      </p:sp>
       <p:cxnSp>
         <p:nvCxnSpPr>
-          <p:cNvPr id="8" name="Connecteur droit 7">
-            <a:extLst>
-              <a:ext uri="{FF2B5EF4-FFF2-40B4-BE49-F238E27FC236}">
-                <a16:creationId xmlns:a16="http://schemas.microsoft.com/office/drawing/2014/main" id="{4B597A5B-B12A-4CAE-8FA3-63782F7F71C4}"/>
-              </a:ext>
-            </a:extLst>
-          </p:cNvPr>
-          <p:cNvCxnSpPr/>
+          <p:cNvPr id="8" name="Connecteur droit 7"/>
+          <p:cNvCxnSpPr>
+            <a:cxnSpLocks/>
+          </p:cNvCxnSpPr>
           <p:nvPr/>
         </p:nvCxnSpPr>
-        <p:spPr>
+        <p:spPr bwMode="auto">
           <a:xfrm>
-            <a:off x="7182035" y="295182"/>
+            <a:off x="7340784" y="295182"/>
             <a:ext cx="0" cy="6267635"/>
           </a:xfrm>
           <a:prstGeom prst="line">
@@ -5132,15 +5182,108 @@
           </a:fontRef>
         </p:style>
       </p:cxnSp>
+      <p:sp>
+        <p:nvSpPr>
+          <p:cNvPr id="10" name="ZoneTexte 9"/>
+          <p:cNvSpPr txBox="1"/>
+          <p:nvPr/>
+        </p:nvSpPr>
+        <p:spPr bwMode="auto">
+          <a:xfrm>
+            <a:off x="7702422" y="647369"/>
+            <a:ext cx="2290436" cy="369332"/>
+          </a:xfrm>
+          <a:prstGeom prst="rect">
+            <a:avLst/>
+          </a:prstGeom>
+          <a:noFill/>
+        </p:spPr>
+        <p:txBody>
+          <a:bodyPr wrap="square" rtlCol="0">
+            <a:spAutoFit/>
+          </a:bodyPr>
+          <a:lstStyle/>
+          <a:p>
+            <a:pPr>
+              <a:defRPr/>
+            </a:pPr>
+            <a:r>
+              <a:rPr lang="fr-FR"/>
+              <a:t>CSS PARENT :</a:t>
+            </a:r>
+            <a:endParaRPr/>
+          </a:p>
+        </p:txBody>
+      </p:sp>
+      <p:sp>
+        <p:nvSpPr>
+          <p:cNvPr id="11" name="ZoneTexte 10"/>
+          <p:cNvSpPr txBox="1"/>
+          <p:nvPr/>
+        </p:nvSpPr>
+        <p:spPr bwMode="auto">
+          <a:xfrm flipH="0" flipV="0">
+            <a:off x="7634712" y="3335218"/>
+            <a:ext cx="3028505" cy="366119"/>
+          </a:xfrm>
+          <a:prstGeom prst="rect">
+            <a:avLst/>
+          </a:prstGeom>
+          <a:noFill/>
+        </p:spPr>
+        <p:txBody>
+          <a:bodyPr wrap="square" rtlCol="0">
+            <a:spAutoFit/>
+          </a:bodyPr>
+          <a:lstStyle/>
+          <a:p>
+            <a:pPr>
+              <a:defRPr/>
+            </a:pPr>
+            <a:r>
+              <a:rPr lang="fr-FR"/>
+              <a:t>HTML PARENT + </a:t>
+            </a:r>
+            <a:r>
+              <a:rPr lang="fr-FR" sz="1800" b="0" i="0" u="none" strike="noStrike" cap="none" spc="0">
+                <a:solidFill>
+                  <a:schemeClr val="tx1"/>
+                </a:solidFill>
+                <a:latin typeface="+mn-lt"/>
+                <a:ea typeface="+mn-ea"/>
+                <a:cs typeface="+mn-cs"/>
+              </a:rPr>
+              <a:t>ENFANTS :</a:t>
+            </a:r>
+            <a:endParaRPr/>
+          </a:p>
+        </p:txBody>
+      </p:sp>
       <p:pic>
         <p:nvPicPr>
-          <p:cNvPr id="9" name="Image 8">
-            <a:extLst>
-              <a:ext uri="{FF2B5EF4-FFF2-40B4-BE49-F238E27FC236}">
-                <a16:creationId xmlns:a16="http://schemas.microsoft.com/office/drawing/2014/main" id="{2C35CA4F-8591-44C0-AE01-9C702A698388}"/>
-              </a:ext>
-            </a:extLst>
-          </p:cNvPr>
+          <p:cNvPr id="951922201" name=""/>
+          <p:cNvPicPr>
+            <a:picLocks noChangeAspect="1"/>
+          </p:cNvPicPr>
+          <p:nvPr/>
+        </p:nvPicPr>
+        <p:blipFill>
+          <a:blip r:embed="rId2"/>
+          <a:stretch/>
+        </p:blipFill>
+        <p:spPr bwMode="auto">
+          <a:xfrm flipH="0" flipV="0">
+            <a:off x="360241" y="1933164"/>
+            <a:ext cx="6628552" cy="3280196"/>
+          </a:xfrm>
+          <a:prstGeom prst="rect">
+            <a:avLst/>
+          </a:prstGeom>
+        </p:spPr>
+      </p:pic>
+      <p:pic>
+        <p:nvPicPr>
+          <p:cNvPr id="2023501000" name=""/>
           <p:cNvPicPr>
             <a:picLocks noChangeAspect="1"/>
           </p:cNvPicPr>
@@ -5148,99 +5291,21 @@
         </p:nvPicPr>
         <p:blipFill>
           <a:blip r:embed="rId3"/>
-          <a:stretch>
-            <a:fillRect/>
-          </a:stretch>
+          <a:stretch/>
         </p:blipFill>
-        <p:spPr>
-          <a:xfrm>
-            <a:off x="7702422" y="1110483"/>
-            <a:ext cx="4216583" cy="2360533"/>
+        <p:spPr bwMode="auto">
+          <a:xfrm flipH="0" flipV="0">
+            <a:off x="7634712" y="3874968"/>
+            <a:ext cx="3038069" cy="2381249"/>
           </a:xfrm>
           <a:prstGeom prst="rect">
             <a:avLst/>
           </a:prstGeom>
         </p:spPr>
       </p:pic>
-      <p:sp>
-        <p:nvSpPr>
-          <p:cNvPr id="10" name="ZoneTexte 9">
-            <a:extLst>
-              <a:ext uri="{FF2B5EF4-FFF2-40B4-BE49-F238E27FC236}">
-                <a16:creationId xmlns:a16="http://schemas.microsoft.com/office/drawing/2014/main" id="{6EE253A9-A77E-4C57-ABB3-431258B1ACA1}"/>
-              </a:ext>
-            </a:extLst>
-          </p:cNvPr>
-          <p:cNvSpPr txBox="1"/>
-          <p:nvPr/>
-        </p:nvSpPr>
-        <p:spPr>
-          <a:xfrm>
-            <a:off x="7702423" y="741151"/>
-            <a:ext cx="2290436" cy="369332"/>
-          </a:xfrm>
-          <a:prstGeom prst="rect">
-            <a:avLst/>
-          </a:prstGeom>
-          <a:noFill/>
-        </p:spPr>
-        <p:txBody>
-          <a:bodyPr wrap="square" rtlCol="0">
-            <a:spAutoFit/>
-          </a:bodyPr>
-          <a:lstStyle/>
-          <a:p>
-            <a:r>
-              <a:rPr lang="fr-FR" dirty="0"/>
-              <a:t>CSS PARENT :</a:t>
-            </a:r>
-          </a:p>
-        </p:txBody>
-      </p:sp>
-      <p:sp>
-        <p:nvSpPr>
-          <p:cNvPr id="11" name="ZoneTexte 10">
-            <a:extLst>
-              <a:ext uri="{FF2B5EF4-FFF2-40B4-BE49-F238E27FC236}">
-                <a16:creationId xmlns:a16="http://schemas.microsoft.com/office/drawing/2014/main" id="{24CE8606-4F17-4EA6-9FBA-B4EACBC0C48A}"/>
-              </a:ext>
-            </a:extLst>
-          </p:cNvPr>
-          <p:cNvSpPr txBox="1"/>
-          <p:nvPr/>
-        </p:nvSpPr>
-        <p:spPr>
-          <a:xfrm>
-            <a:off x="7702423" y="3573263"/>
-            <a:ext cx="2743135" cy="369332"/>
-          </a:xfrm>
-          <a:prstGeom prst="rect">
-            <a:avLst/>
-          </a:prstGeom>
-          <a:noFill/>
-        </p:spPr>
-        <p:txBody>
-          <a:bodyPr wrap="square" rtlCol="0">
-            <a:spAutoFit/>
-          </a:bodyPr>
-          <a:lstStyle/>
-          <a:p>
-            <a:r>
-              <a:rPr lang="fr-FR" dirty="0"/>
-              <a:t>HTML PARENT + ENFANTS :</a:t>
-            </a:r>
-          </a:p>
-        </p:txBody>
-      </p:sp>
       <p:pic>
         <p:nvPicPr>
-          <p:cNvPr id="13" name="Image 12">
-            <a:extLst>
-              <a:ext uri="{FF2B5EF4-FFF2-40B4-BE49-F238E27FC236}">
-                <a16:creationId xmlns:a16="http://schemas.microsoft.com/office/drawing/2014/main" id="{03DE6A2B-2DDA-4C86-AC48-28A8CBD5C1FC}"/>
-              </a:ext>
-            </a:extLst>
-          </p:cNvPr>
+          <p:cNvPr id="965157013" name=""/>
           <p:cNvPicPr>
             <a:picLocks noChangeAspect="1"/>
           </p:cNvPicPr>
@@ -5248,14 +5313,12 @@
         </p:nvPicPr>
         <p:blipFill>
           <a:blip r:embed="rId4"/>
-          <a:stretch>
-            <a:fillRect/>
-          </a:stretch>
+          <a:stretch/>
         </p:blipFill>
-        <p:spPr>
-          <a:xfrm>
-            <a:off x="7702423" y="4044842"/>
-            <a:ext cx="4216591" cy="2240550"/>
+        <p:spPr bwMode="auto">
+          <a:xfrm flipH="0" flipV="0">
+            <a:off x="7702422" y="1110072"/>
+            <a:ext cx="2997950" cy="1918229"/>
           </a:xfrm>
           <a:prstGeom prst="rect">
             <a:avLst/>
@@ -5263,28 +5326,31 @@
         </p:spPr>
       </p:pic>
     </p:spTree>
-    <p:extLst>
-      <p:ext uri="{BB962C8B-B14F-4D97-AF65-F5344CB8AC3E}">
-        <p14:creationId xmlns:p14="http://schemas.microsoft.com/office/powerpoint/2010/main" val="536054006"/>
-      </p:ext>
-    </p:extLst>
   </p:cSld>
   <p:clrMapOvr>
     <a:masterClrMapping/>
   </p:clrMapOvr>
+  <mc:AlternateContent xmlns:mc="http://schemas.openxmlformats.org/markup-compatibility/2006">
+    <mc:Choice xmlns:p14="http://schemas.microsoft.com/office/powerpoint/2010/main" Requires="p14">
+      <p:transition p14:dur="2000" advClick="1"/>
+    </mc:Choice>
+    <mc:Fallback>
+      <p:transition advClick="1"/>
+    </mc:Fallback>
+  </mc:AlternateContent>
 </p:sld>
 </file>
 
 <file path=ppt/slides/slide7.xml><?xml version="1.0" encoding="utf-8"?>
-<p:sld xmlns:a="http://schemas.openxmlformats.org/drawingml/2006/main" xmlns:r="http://schemas.openxmlformats.org/officeDocument/2006/relationships" xmlns:p="http://schemas.openxmlformats.org/presentationml/2006/main">
-  <p:cSld>
+<p:sld xmlns:a="http://schemas.openxmlformats.org/drawingml/2006/main" xmlns:r="http://schemas.openxmlformats.org/officeDocument/2006/relationships" xmlns:p="http://schemas.openxmlformats.org/presentationml/2006/main" xmlns:m="http://schemas.openxmlformats.org/officeDocument/2006/math" xmlns:w="http://schemas.openxmlformats.org/wordprocessingml/2006/main" showMasterPhAnim="0" show="1">
+  <p:cSld name="">
     <p:spTree>
       <p:nvGrpSpPr>
         <p:cNvPr id="1" name=""/>
         <p:cNvGrpSpPr/>
         <p:nvPr/>
       </p:nvGrpSpPr>
-      <p:grpSpPr>
+      <p:grpSpPr bwMode="auto">
         <a:xfrm>
           <a:off x="0" y="0"/>
           <a:ext cx="0" cy="0"/>
@@ -5294,13 +5360,7 @@
       </p:grpSpPr>
       <p:sp>
         <p:nvSpPr>
-          <p:cNvPr id="2" name="Titre 1">
-            <a:extLst>
-              <a:ext uri="{FF2B5EF4-FFF2-40B4-BE49-F238E27FC236}">
-                <a16:creationId xmlns:a16="http://schemas.microsoft.com/office/drawing/2014/main" id="{E954B1A0-C9C7-4EB9-9061-63900A6897A9}"/>
-              </a:ext>
-            </a:extLst>
-          </p:cNvPr>
+          <p:cNvPr id="2" name="Titre 1"/>
           <p:cNvSpPr>
             <a:spLocks noGrp="1"/>
           </p:cNvSpPr>
@@ -5308,69 +5368,64 @@
             <p:ph type="title"/>
           </p:nvPr>
         </p:nvSpPr>
-        <p:spPr/>
+        <p:spPr bwMode="auto"/>
         <p:txBody>
           <a:bodyPr/>
           <a:lstStyle/>
           <a:p>
-            <a:pPr algn="ctr"/>
-            <a:r>
-              <a:rPr lang="fr-FR" dirty="0"/>
+            <a:pPr algn="ctr">
+              <a:defRPr/>
+            </a:pPr>
+            <a:r>
+              <a:rPr lang="fr-FR"/>
               <a:t>A vous ! :D</a:t>
             </a:r>
+            <a:endParaRPr/>
           </a:p>
         </p:txBody>
       </p:sp>
       <p:pic>
         <p:nvPicPr>
-          <p:cNvPr id="5" name="Espace réservé du contenu 4">
-            <a:extLst>
-              <a:ext uri="{FF2B5EF4-FFF2-40B4-BE49-F238E27FC236}">
-                <a16:creationId xmlns:a16="http://schemas.microsoft.com/office/drawing/2014/main" id="{C90ED212-8E25-4E4B-84A4-EBE0B7A11CDC}"/>
-              </a:ext>
-            </a:extLst>
-          </p:cNvPr>
+          <p:cNvPr id="5" name="Espace réservé du contenu 4"/>
           <p:cNvPicPr>
-            <a:picLocks noGrp="1" noChangeAspect="1"/>
+            <a:picLocks noChangeAspect="1" noGrp="1"/>
           </p:cNvPicPr>
           <p:nvPr>
             <p:ph idx="1"/>
           </p:nvPr>
         </p:nvPicPr>
         <p:blipFill>
-          <a:blip r:embed="rId2" cstate="print">
-            <a:extLst>
-              <a:ext uri="{28A0092B-C50C-407E-A947-70E740481C1C}">
-                <a14:useLocalDpi xmlns:a14="http://schemas.microsoft.com/office/drawing/2010/main" val="0"/>
-              </a:ext>
-            </a:extLst>
-          </a:blip>
-          <a:stretch>
-            <a:fillRect/>
-          </a:stretch>
+          <a:blip r:embed="rId2"/>
+          <a:stretch/>
         </p:blipFill>
-        <p:spPr>
+        <p:spPr bwMode="auto">
           <a:xfrm>
             <a:off x="4144169" y="2286000"/>
             <a:ext cx="3810000" cy="3810000"/>
           </a:xfrm>
+          <a:prstGeom prst="rect">
+            <a:avLst/>
+          </a:prstGeom>
         </p:spPr>
       </p:pic>
     </p:spTree>
-    <p:extLst>
-      <p:ext uri="{BB962C8B-B14F-4D97-AF65-F5344CB8AC3E}">
-        <p14:creationId xmlns:p14="http://schemas.microsoft.com/office/powerpoint/2010/main" val="2598407021"/>
-      </p:ext>
-    </p:extLst>
   </p:cSld>
   <p:clrMapOvr>
     <a:masterClrMapping/>
   </p:clrMapOvr>
+  <mc:AlternateContent xmlns:mc="http://schemas.openxmlformats.org/markup-compatibility/2006">
+    <mc:Choice xmlns:p14="http://schemas.microsoft.com/office/powerpoint/2010/main" Requires="p14">
+      <p:transition p14:dur="2000" advClick="1"/>
+    </mc:Choice>
+    <mc:Fallback>
+      <p:transition advClick="1"/>
+    </mc:Fallback>
+  </mc:AlternateContent>
 </p:sld>
 </file>
 
 <file path=ppt/theme/theme1.xml><?xml version="1.0" encoding="utf-8"?>
-<a:theme xmlns:a="http://schemas.openxmlformats.org/drawingml/2006/main" name="PortalVTI">
+<a:theme xmlns:a="http://schemas.openxmlformats.org/drawingml/2006/main" xmlns:r="http://schemas.openxmlformats.org/officeDocument/2006/relationships" xmlns:p="http://schemas.openxmlformats.org/presentationml/2006/main" name="PortalVTI">
   <a:themeElements>
     <a:clrScheme name="AnalogousFromLightSeedRightStep">
       <a:dk1>
@@ -5573,6 +5628,5 @@
     </a:fmtScheme>
   </a:themeElements>
   <a:objectDefaults/>
-  <a:extraClrSchemeLst/>
 </a:theme>
 </file>